--- a/The causes, impacts and countermeasures of COVID-19 “Infodemic”- A systematic review using narrative synthesis.pptx
+++ b/The causes, impacts and countermeasures of COVID-19 “Infodemic”- A systematic review using narrative synthesis.pptx
@@ -3392,31 +3392,6 @@
           </a:p>
         </p:txBody>
       </p:sp>
-      <p:sp>
-        <p:nvSpPr>
-          <p:cNvPr id="3" name="Subtitle 2">
-            <a:extLst>
-              <a:ext uri="{FF2B5EF4-FFF2-40B4-BE49-F238E27FC236}">
-                <a16:creationId xmlns:a16="http://schemas.microsoft.com/office/drawing/2014/main" id="{18162292-CB72-4E5A-F293-4D6BF0913C75}"/>
-              </a:ext>
-            </a:extLst>
-          </p:cNvPr>
-          <p:cNvSpPr>
-            <a:spLocks noGrp="1"/>
-          </p:cNvSpPr>
-          <p:nvPr>
-            <p:ph type="subTitle" idx="1"/>
-          </p:nvPr>
-        </p:nvSpPr>
-        <p:spPr/>
-        <p:txBody>
-          <a:bodyPr/>
-          <a:lstStyle/>
-          <a:p>
-            <a:endParaRPr lang="en-US"/>
-          </a:p>
-        </p:txBody>
-      </p:sp>
     </p:spTree>
     <p:extLst>
       <p:ext uri="{BB962C8B-B14F-4D97-AF65-F5344CB8AC3E}">
@@ -4682,10 +4657,9 @@
               </a:rPr>
             </a:br>
             <a:r>
-              <a:rPr lang="en-US"/>
+              <a:rPr lang="en-US" dirty="0"/>
               <a:t>Advantages</a:t>
             </a:r>
-            <a:endParaRPr lang="en-US" dirty="0"/>
           </a:p>
         </p:txBody>
       </p:sp>
